--- a/figures/ppt/Figure3new-Dec7.pptx
+++ b/figures/ppt/Figure3new-Dec7.pptx
@@ -197,7 +197,7 @@
           <a:p>
             <a:fld id="{6725FFB4-2D03-2A4C-8EBA-B5395FC1E79C}" type="datetimeFigureOut">
               <a:rPr lang="en-US" smtClean="0"/>
-              <a:t>12/7/18</a:t>
+              <a:t>12/8/18</a:t>
             </a:fld>
             <a:endParaRPr lang="en-US"/>
           </a:p>
@@ -695,7 +695,7 @@
           <a:p>
             <a:fld id="{191BC32C-BAD4-7F49-8591-B24BECDFB9FF}" type="datetimeFigureOut">
               <a:rPr lang="en-US" smtClean="0"/>
-              <a:t>12/7/18</a:t>
+              <a:t>12/8/18</a:t>
             </a:fld>
             <a:endParaRPr lang="en-US"/>
           </a:p>
@@ -893,7 +893,7 @@
           <a:p>
             <a:fld id="{191BC32C-BAD4-7F49-8591-B24BECDFB9FF}" type="datetimeFigureOut">
               <a:rPr lang="en-US" smtClean="0"/>
-              <a:t>12/7/18</a:t>
+              <a:t>12/8/18</a:t>
             </a:fld>
             <a:endParaRPr lang="en-US"/>
           </a:p>
@@ -1101,7 +1101,7 @@
           <a:p>
             <a:fld id="{191BC32C-BAD4-7F49-8591-B24BECDFB9FF}" type="datetimeFigureOut">
               <a:rPr lang="en-US" smtClean="0"/>
-              <a:t>12/7/18</a:t>
+              <a:t>12/8/18</a:t>
             </a:fld>
             <a:endParaRPr lang="en-US"/>
           </a:p>
@@ -1299,7 +1299,7 @@
           <a:p>
             <a:fld id="{191BC32C-BAD4-7F49-8591-B24BECDFB9FF}" type="datetimeFigureOut">
               <a:rPr lang="en-US" smtClean="0"/>
-              <a:t>12/7/18</a:t>
+              <a:t>12/8/18</a:t>
             </a:fld>
             <a:endParaRPr lang="en-US"/>
           </a:p>
@@ -1574,7 +1574,7 @@
           <a:p>
             <a:fld id="{191BC32C-BAD4-7F49-8591-B24BECDFB9FF}" type="datetimeFigureOut">
               <a:rPr lang="en-US" smtClean="0"/>
-              <a:t>12/7/18</a:t>
+              <a:t>12/8/18</a:t>
             </a:fld>
             <a:endParaRPr lang="en-US"/>
           </a:p>
@@ -1839,7 +1839,7 @@
           <a:p>
             <a:fld id="{191BC32C-BAD4-7F49-8591-B24BECDFB9FF}" type="datetimeFigureOut">
               <a:rPr lang="en-US" smtClean="0"/>
-              <a:t>12/7/18</a:t>
+              <a:t>12/8/18</a:t>
             </a:fld>
             <a:endParaRPr lang="en-US"/>
           </a:p>
@@ -2251,7 +2251,7 @@
           <a:p>
             <a:fld id="{191BC32C-BAD4-7F49-8591-B24BECDFB9FF}" type="datetimeFigureOut">
               <a:rPr lang="en-US" smtClean="0"/>
-              <a:t>12/7/18</a:t>
+              <a:t>12/8/18</a:t>
             </a:fld>
             <a:endParaRPr lang="en-US"/>
           </a:p>
@@ -2392,7 +2392,7 @@
           <a:p>
             <a:fld id="{191BC32C-BAD4-7F49-8591-B24BECDFB9FF}" type="datetimeFigureOut">
               <a:rPr lang="en-US" smtClean="0"/>
-              <a:t>12/7/18</a:t>
+              <a:t>12/8/18</a:t>
             </a:fld>
             <a:endParaRPr lang="en-US"/>
           </a:p>
@@ -2505,7 +2505,7 @@
           <a:p>
             <a:fld id="{191BC32C-BAD4-7F49-8591-B24BECDFB9FF}" type="datetimeFigureOut">
               <a:rPr lang="en-US" smtClean="0"/>
-              <a:t>12/7/18</a:t>
+              <a:t>12/8/18</a:t>
             </a:fld>
             <a:endParaRPr lang="en-US"/>
           </a:p>
@@ -2816,7 +2816,7 @@
           <a:p>
             <a:fld id="{191BC32C-BAD4-7F49-8591-B24BECDFB9FF}" type="datetimeFigureOut">
               <a:rPr lang="en-US" smtClean="0"/>
-              <a:t>12/7/18</a:t>
+              <a:t>12/8/18</a:t>
             </a:fld>
             <a:endParaRPr lang="en-US"/>
           </a:p>
@@ -3104,7 +3104,7 @@
           <a:p>
             <a:fld id="{191BC32C-BAD4-7F49-8591-B24BECDFB9FF}" type="datetimeFigureOut">
               <a:rPr lang="en-US" smtClean="0"/>
-              <a:t>12/7/18</a:t>
+              <a:t>12/8/18</a:t>
             </a:fld>
             <a:endParaRPr lang="en-US"/>
           </a:p>
@@ -3345,7 +3345,7 @@
           <a:p>
             <a:fld id="{191BC32C-BAD4-7F49-8591-B24BECDFB9FF}" type="datetimeFigureOut">
               <a:rPr lang="en-US" smtClean="0"/>
-              <a:t>12/7/18</a:t>
+              <a:t>12/8/18</a:t>
             </a:fld>
             <a:endParaRPr lang="en-US"/>
           </a:p>
@@ -3764,10 +3764,10 @@
       </p:grpSpPr>
       <p:grpSp>
         <p:nvGrpSpPr>
-          <p:cNvPr id="7" name="Group 6">
+          <p:cNvPr id="2" name="Group 1">
             <a:extLst>
               <a:ext uri="{FF2B5EF4-FFF2-40B4-BE49-F238E27FC236}">
-                <a16:creationId xmlns:a16="http://schemas.microsoft.com/office/drawing/2014/main" id="{6C9CF408-EB42-DC46-9010-27A7E90043AF}"/>
+                <a16:creationId xmlns:a16="http://schemas.microsoft.com/office/drawing/2014/main" id="{E2E974A3-90C1-CB49-8D74-C9A85D7A46D0}"/>
               </a:ext>
             </a:extLst>
           </p:cNvPr>
@@ -3776,10 +3776,10 @@
         </p:nvGrpSpPr>
         <p:grpSpPr>
           <a:xfrm>
-            <a:off x="855585" y="790355"/>
-            <a:ext cx="8934959" cy="1944144"/>
-            <a:chOff x="855585" y="790355"/>
-            <a:chExt cx="8934959" cy="1944144"/>
+            <a:off x="658079" y="790355"/>
+            <a:ext cx="9132465" cy="1466636"/>
+            <a:chOff x="658079" y="790355"/>
+            <a:chExt cx="9132465" cy="1466636"/>
           </a:xfrm>
         </p:grpSpPr>
         <p:sp>
@@ -3796,8 +3796,8 @@
           </p:nvSpPr>
           <p:spPr>
             <a:xfrm>
-              <a:off x="1833177" y="1668220"/>
-              <a:ext cx="224649" cy="223790"/>
+              <a:off x="1833177" y="1476336"/>
+              <a:ext cx="224649" cy="172163"/>
             </a:xfrm>
             <a:prstGeom prst="rect">
               <a:avLst/>
@@ -3858,8 +3858,8 @@
           </p:nvSpPr>
           <p:spPr>
             <a:xfrm>
-              <a:off x="2057826" y="1668220"/>
-              <a:ext cx="1418510" cy="223790"/>
+              <a:off x="2057826" y="1476336"/>
+              <a:ext cx="1418510" cy="172163"/>
             </a:xfrm>
             <a:prstGeom prst="rect">
               <a:avLst/>
@@ -3917,8 +3917,8 @@
           </p:nvSpPr>
           <p:spPr>
             <a:xfrm>
-              <a:off x="3476336" y="1668220"/>
-              <a:ext cx="885291" cy="223790"/>
+              <a:off x="3476336" y="1476336"/>
+              <a:ext cx="885291" cy="172163"/>
             </a:xfrm>
             <a:prstGeom prst="rect">
               <a:avLst/>
@@ -3976,8 +3976,8 @@
           </p:nvSpPr>
           <p:spPr>
             <a:xfrm>
-              <a:off x="4361628" y="1668220"/>
-              <a:ext cx="1418510" cy="223790"/>
+              <a:off x="4361628" y="1476336"/>
+              <a:ext cx="1418510" cy="172163"/>
             </a:xfrm>
             <a:prstGeom prst="rect">
               <a:avLst/>
@@ -4035,8 +4035,8 @@
           </p:nvSpPr>
           <p:spPr>
             <a:xfrm>
-              <a:off x="5776955" y="1668220"/>
-              <a:ext cx="224649" cy="223790"/>
+              <a:off x="5776955" y="1476336"/>
+              <a:ext cx="224649" cy="172163"/>
             </a:xfrm>
             <a:prstGeom prst="rect">
               <a:avLst/>
@@ -4097,8 +4097,8 @@
           </p:nvSpPr>
           <p:spPr>
             <a:xfrm>
-              <a:off x="5998421" y="1668220"/>
-              <a:ext cx="1418510" cy="223790"/>
+              <a:off x="5998421" y="1476336"/>
+              <a:ext cx="1418510" cy="172163"/>
             </a:xfrm>
             <a:prstGeom prst="rect">
               <a:avLst/>
@@ -4151,8 +4151,8 @@
           </p:nvSpPr>
           <p:spPr>
             <a:xfrm>
-              <a:off x="7416931" y="1668220"/>
-              <a:ext cx="885291" cy="223790"/>
+              <a:off x="7416931" y="1476336"/>
+              <a:ext cx="885291" cy="172163"/>
             </a:xfrm>
             <a:prstGeom prst="rect">
               <a:avLst/>
@@ -4208,8 +4208,8 @@
           </p:nvSpPr>
           <p:spPr>
             <a:xfrm>
-              <a:off x="8288908" y="1668220"/>
-              <a:ext cx="1418510" cy="223790"/>
+              <a:off x="8288908" y="1476336"/>
+              <a:ext cx="1418510" cy="172163"/>
             </a:xfrm>
             <a:prstGeom prst="rect">
               <a:avLst/>
@@ -4262,8 +4262,8 @@
           </p:nvSpPr>
           <p:spPr>
             <a:xfrm>
-              <a:off x="1836360" y="1304379"/>
-              <a:ext cx="224649" cy="223790"/>
+              <a:off x="1836360" y="1196431"/>
+              <a:ext cx="224649" cy="172163"/>
             </a:xfrm>
             <a:prstGeom prst="rect">
               <a:avLst/>
@@ -4324,8 +4324,8 @@
           </p:nvSpPr>
           <p:spPr>
             <a:xfrm>
-              <a:off x="2057826" y="1304379"/>
-              <a:ext cx="1418510" cy="223790"/>
+              <a:off x="2057826" y="1196431"/>
+              <a:ext cx="1418510" cy="172163"/>
             </a:xfrm>
             <a:prstGeom prst="rect">
               <a:avLst/>
@@ -4378,8 +4378,8 @@
           </p:nvSpPr>
           <p:spPr>
             <a:xfrm>
-              <a:off x="3476336" y="1304379"/>
-              <a:ext cx="885291" cy="223790"/>
+              <a:off x="3476336" y="1196431"/>
+              <a:ext cx="885291" cy="172163"/>
             </a:xfrm>
             <a:prstGeom prst="rect">
               <a:avLst/>
@@ -4435,8 +4435,8 @@
           </p:nvSpPr>
           <p:spPr>
             <a:xfrm>
-              <a:off x="4348313" y="1304379"/>
-              <a:ext cx="1418510" cy="223790"/>
+              <a:off x="4348313" y="1196431"/>
+              <a:ext cx="1418510" cy="172163"/>
             </a:xfrm>
             <a:prstGeom prst="rect">
               <a:avLst/>
@@ -4489,8 +4489,8 @@
           </p:nvSpPr>
           <p:spPr>
             <a:xfrm>
-              <a:off x="3247908" y="2051099"/>
-              <a:ext cx="224649" cy="223790"/>
+              <a:off x="3247908" y="1770888"/>
+              <a:ext cx="224649" cy="172163"/>
             </a:xfrm>
             <a:prstGeom prst="rect">
               <a:avLst/>
@@ -4551,8 +4551,8 @@
           </p:nvSpPr>
           <p:spPr>
             <a:xfrm>
-              <a:off x="1830074" y="2051099"/>
-              <a:ext cx="1418510" cy="223790"/>
+              <a:off x="1830074" y="1770888"/>
+              <a:ext cx="1418510" cy="172163"/>
             </a:xfrm>
             <a:prstGeom prst="rect">
               <a:avLst/>
@@ -4610,8 +4610,8 @@
           </p:nvSpPr>
           <p:spPr>
             <a:xfrm>
-              <a:off x="3468202" y="2051099"/>
-              <a:ext cx="885291" cy="223790"/>
+              <a:off x="3468202" y="1770888"/>
+              <a:ext cx="885291" cy="172163"/>
             </a:xfrm>
             <a:prstGeom prst="rect">
               <a:avLst/>
@@ -4667,8 +4667,8 @@
           </p:nvSpPr>
           <p:spPr>
             <a:xfrm>
-              <a:off x="4358308" y="2051099"/>
-              <a:ext cx="1418510" cy="223790"/>
+              <a:off x="4358308" y="1770888"/>
+              <a:ext cx="1418510" cy="172163"/>
             </a:xfrm>
             <a:prstGeom prst="rect">
               <a:avLst/>
@@ -4721,8 +4721,8 @@
           </p:nvSpPr>
           <p:spPr>
             <a:xfrm>
-              <a:off x="3244958" y="2415975"/>
-              <a:ext cx="224649" cy="223790"/>
+              <a:off x="3244958" y="2051590"/>
+              <a:ext cx="224649" cy="172163"/>
             </a:xfrm>
             <a:prstGeom prst="rect">
               <a:avLst/>
@@ -4783,8 +4783,8 @@
           </p:nvSpPr>
           <p:spPr>
             <a:xfrm>
-              <a:off x="1827124" y="2415975"/>
-              <a:ext cx="1418510" cy="223790"/>
+              <a:off x="1827124" y="2051590"/>
+              <a:ext cx="1418510" cy="172163"/>
             </a:xfrm>
             <a:prstGeom prst="rect">
               <a:avLst/>
@@ -4842,8 +4842,8 @@
           </p:nvSpPr>
           <p:spPr>
             <a:xfrm>
-              <a:off x="3465252" y="2415975"/>
-              <a:ext cx="885291" cy="223790"/>
+              <a:off x="3465252" y="2051590"/>
+              <a:ext cx="885291" cy="172163"/>
             </a:xfrm>
             <a:prstGeom prst="rect">
               <a:avLst/>
@@ -4901,8 +4901,8 @@
           </p:nvSpPr>
           <p:spPr>
             <a:xfrm>
-              <a:off x="4352742" y="2415975"/>
-              <a:ext cx="224649" cy="223790"/>
+              <a:off x="4352742" y="2051590"/>
+              <a:ext cx="224649" cy="172163"/>
             </a:xfrm>
             <a:prstGeom prst="rect">
               <a:avLst/>
@@ -4963,8 +4963,8 @@
           </p:nvSpPr>
           <p:spPr>
             <a:xfrm>
-              <a:off x="5461406" y="2415975"/>
-              <a:ext cx="1418510" cy="223790"/>
+              <a:off x="5461406" y="2051590"/>
+              <a:ext cx="1418510" cy="172163"/>
             </a:xfrm>
             <a:prstGeom prst="rect">
               <a:avLst/>
@@ -5017,8 +5017,8 @@
           </p:nvSpPr>
           <p:spPr>
             <a:xfrm>
-              <a:off x="4573333" y="2415975"/>
-              <a:ext cx="885291" cy="223790"/>
+              <a:off x="4573333" y="2051590"/>
+              <a:ext cx="885291" cy="172163"/>
             </a:xfrm>
             <a:prstGeom prst="rect">
               <a:avLst/>
@@ -5074,8 +5074,8 @@
           </p:nvSpPr>
           <p:spPr>
             <a:xfrm>
-              <a:off x="866379" y="1233944"/>
-              <a:ext cx="1086574" cy="400110"/>
+              <a:off x="676187" y="1156874"/>
+              <a:ext cx="1204761" cy="246221"/>
             </a:xfrm>
             <a:prstGeom prst="rect">
               <a:avLst/>
@@ -5093,16 +5093,7 @@
                   <a:latin typeface="Calibri" panose="020F0502020204030204" pitchFamily="34" charset="0"/>
                   <a:cs typeface="Calibri" panose="020F0502020204030204" pitchFamily="34" charset="0"/>
                 </a:rPr>
-                <a:t>a) TLB Hit</a:t>
-              </a:r>
-            </a:p>
-            <a:p>
-              <a:r>
-                <a:rPr lang="en-US" sz="1000" dirty="0">
-                  <a:latin typeface="Calibri" panose="020F0502020204030204" pitchFamily="34" charset="0"/>
-                  <a:cs typeface="Calibri" panose="020F0502020204030204" pitchFamily="34" charset="0"/>
-                </a:rPr>
-                <a:t> Conventional</a:t>
+                <a:t>a) TLB Hit (Conv)</a:t>
               </a:r>
             </a:p>
           </p:txBody>
@@ -5121,8 +5112,8 @@
           </p:nvSpPr>
           <p:spPr>
             <a:xfrm>
-              <a:off x="864821" y="1597785"/>
-              <a:ext cx="1086574" cy="400110"/>
+              <a:off x="674629" y="1436780"/>
+              <a:ext cx="1278533" cy="246221"/>
             </a:xfrm>
             <a:prstGeom prst="rect">
               <a:avLst/>
@@ -5140,16 +5131,7 @@
                   <a:latin typeface="Calibri" panose="020F0502020204030204" pitchFamily="34" charset="0"/>
                   <a:cs typeface="Calibri" panose="020F0502020204030204" pitchFamily="34" charset="0"/>
                 </a:rPr>
-                <a:t>b) TLB Miss</a:t>
-              </a:r>
-            </a:p>
-            <a:p>
-              <a:r>
-                <a:rPr lang="en-US" sz="1000" dirty="0">
-                  <a:latin typeface="Calibri" panose="020F0502020204030204" pitchFamily="34" charset="0"/>
-                  <a:cs typeface="Calibri" panose="020F0502020204030204" pitchFamily="34" charset="0"/>
-                </a:rPr>
-                <a:t> Conventional</a:t>
+                <a:t>b) TLB Miss (Conv)</a:t>
               </a:r>
             </a:p>
           </p:txBody>
@@ -5168,8 +5150,8 @@
           </p:nvSpPr>
           <p:spPr>
             <a:xfrm>
-              <a:off x="864821" y="1958362"/>
-              <a:ext cx="1086574" cy="400110"/>
+              <a:off x="674630" y="1728805"/>
+              <a:ext cx="1278532" cy="246221"/>
             </a:xfrm>
             <a:prstGeom prst="rect">
               <a:avLst/>
@@ -5187,16 +5169,7 @@
                   <a:latin typeface="Calibri" panose="020F0502020204030204" pitchFamily="34" charset="0"/>
                   <a:cs typeface="Calibri" panose="020F0502020204030204" pitchFamily="34" charset="0"/>
                 </a:rPr>
-                <a:t>c) TLB Hit</a:t>
-              </a:r>
-            </a:p>
-            <a:p>
-              <a:r>
-                <a:rPr lang="en-US" sz="1000" dirty="0">
-                  <a:latin typeface="Calibri" panose="020F0502020204030204" pitchFamily="34" charset="0"/>
-                  <a:cs typeface="Calibri" panose="020F0502020204030204" pitchFamily="34" charset="0"/>
-                </a:rPr>
-                <a:t>   DTRIM</a:t>
+                <a:t>c) TLB Hit (DTRIM)</a:t>
               </a:r>
             </a:p>
           </p:txBody>
@@ -5215,8 +5188,8 @@
           </p:nvSpPr>
           <p:spPr>
             <a:xfrm>
-              <a:off x="855585" y="2334389"/>
-              <a:ext cx="1086574" cy="400110"/>
+              <a:off x="658079" y="2010770"/>
+              <a:ext cx="1287768" cy="246221"/>
             </a:xfrm>
             <a:prstGeom prst="rect">
               <a:avLst/>
@@ -5234,16 +5207,7 @@
                   <a:latin typeface="Calibri" panose="020F0502020204030204" pitchFamily="34" charset="0"/>
                   <a:cs typeface="Calibri" panose="020F0502020204030204" pitchFamily="34" charset="0"/>
                 </a:rPr>
-                <a:t>d) TLB Miss</a:t>
-              </a:r>
-            </a:p>
-            <a:p>
-              <a:r>
-                <a:rPr lang="en-US" sz="1000" dirty="0">
-                  <a:latin typeface="Calibri" panose="020F0502020204030204" pitchFamily="34" charset="0"/>
-                  <a:cs typeface="Calibri" panose="020F0502020204030204" pitchFamily="34" charset="0"/>
-                </a:rPr>
-                <a:t>    DTRIM </a:t>
+                <a:t>d) TLB Miss (DTRIM)</a:t>
               </a:r>
             </a:p>
           </p:txBody>
@@ -5262,8 +5226,8 @@
           </p:nvSpPr>
           <p:spPr>
             <a:xfrm>
-              <a:off x="1010522" y="864564"/>
-              <a:ext cx="405043" cy="246123"/>
+              <a:off x="1010522" y="847445"/>
+              <a:ext cx="405043" cy="189344"/>
             </a:xfrm>
             <a:prstGeom prst="rect">
               <a:avLst/>
@@ -5324,8 +5288,8 @@
           </p:nvSpPr>
           <p:spPr>
             <a:xfrm>
-              <a:off x="2262367" y="864564"/>
-              <a:ext cx="405043" cy="246123"/>
+              <a:off x="2262367" y="847445"/>
+              <a:ext cx="405043" cy="189344"/>
             </a:xfrm>
             <a:prstGeom prst="rect">
               <a:avLst/>
@@ -5383,8 +5347,8 @@
           </p:nvSpPr>
           <p:spPr>
             <a:xfrm>
-              <a:off x="7019376" y="864564"/>
-              <a:ext cx="405043" cy="246123"/>
+              <a:off x="7019376" y="847445"/>
+              <a:ext cx="405043" cy="189344"/>
             </a:xfrm>
             <a:prstGeom prst="rect">
               <a:avLst/>
@@ -5442,8 +5406,8 @@
           </p:nvSpPr>
           <p:spPr>
             <a:xfrm>
-              <a:off x="3816861" y="864564"/>
-              <a:ext cx="405043" cy="246123"/>
+              <a:off x="3816861" y="847445"/>
+              <a:ext cx="405043" cy="189344"/>
             </a:xfrm>
             <a:prstGeom prst="rect">
               <a:avLst/>
@@ -5496,8 +5460,8 @@
           </p:nvSpPr>
           <p:spPr>
             <a:xfrm>
-              <a:off x="8399247" y="864564"/>
-              <a:ext cx="405043" cy="246123"/>
+              <a:off x="8399247" y="847445"/>
+              <a:ext cx="405043" cy="189344"/>
             </a:xfrm>
             <a:prstGeom prst="rect">
               <a:avLst/>
@@ -5553,8 +5517,8 @@
           </p:nvSpPr>
           <p:spPr>
             <a:xfrm>
-              <a:off x="5415279" y="864564"/>
-              <a:ext cx="405043" cy="246123"/>
+              <a:off x="5415279" y="847445"/>
+              <a:ext cx="405043" cy="189344"/>
             </a:xfrm>
             <a:prstGeom prst="rect">
               <a:avLst/>
@@ -5613,7 +5577,7 @@
           <p:spPr>
             <a:xfrm>
               <a:off x="7393505" y="790355"/>
-              <a:ext cx="1072546" cy="400110"/>
+              <a:ext cx="1072546" cy="307808"/>
             </a:xfrm>
             <a:prstGeom prst="rect">
               <a:avLst/>
@@ -5654,7 +5618,7 @@
           <p:spPr>
             <a:xfrm>
               <a:off x="2635816" y="790355"/>
-              <a:ext cx="1321006" cy="400110"/>
+              <a:ext cx="1321006" cy="307808"/>
             </a:xfrm>
             <a:prstGeom prst="rect">
               <a:avLst/>
@@ -5695,7 +5659,7 @@
           <p:spPr>
             <a:xfrm>
               <a:off x="4209021" y="790355"/>
-              <a:ext cx="1221558" cy="400110"/>
+              <a:ext cx="1221558" cy="307808"/>
             </a:xfrm>
             <a:prstGeom prst="rect">
               <a:avLst/>
@@ -5735,8 +5699,8 @@
           </p:nvSpPr>
           <p:spPr>
             <a:xfrm>
-              <a:off x="5838126" y="798050"/>
-              <a:ext cx="1266718" cy="384721"/>
+              <a:off x="5838126" y="796275"/>
+              <a:ext cx="1266718" cy="295969"/>
             </a:xfrm>
             <a:prstGeom prst="rect">
               <a:avLst/>
@@ -5777,7 +5741,7 @@
           <p:spPr>
             <a:xfrm>
               <a:off x="8785627" y="790355"/>
-              <a:ext cx="1004917" cy="400110"/>
+              <a:ext cx="1004917" cy="307808"/>
             </a:xfrm>
             <a:prstGeom prst="rect">
               <a:avLst/>
@@ -5818,7 +5782,7 @@
           <p:spPr>
             <a:xfrm>
               <a:off x="1385024" y="790355"/>
-              <a:ext cx="1132189" cy="400110"/>
+              <a:ext cx="1132189" cy="307808"/>
             </a:xfrm>
             <a:prstGeom prst="rect">
               <a:avLst/>
@@ -5858,8 +5822,8 @@
           </p:nvSpPr>
           <p:spPr>
             <a:xfrm>
-              <a:off x="864822" y="794421"/>
-              <a:ext cx="8925722" cy="396577"/>
+              <a:off x="864822" y="793483"/>
+              <a:ext cx="8925722" cy="345610"/>
             </a:xfrm>
             <a:prstGeom prst="roundRect">
               <a:avLst/>

--- a/figures/ppt/Figure3new-Dec7.pptx
+++ b/figures/ppt/Figure3new-Dec7.pptx
@@ -197,7 +197,7 @@
           <a:p>
             <a:fld id="{6725FFB4-2D03-2A4C-8EBA-B5395FC1E79C}" type="datetimeFigureOut">
               <a:rPr lang="en-US" smtClean="0"/>
-              <a:t>12/8/18</a:t>
+              <a:t>12/19/18</a:t>
             </a:fld>
             <a:endParaRPr lang="en-US"/>
           </a:p>
@@ -695,7 +695,7 @@
           <a:p>
             <a:fld id="{191BC32C-BAD4-7F49-8591-B24BECDFB9FF}" type="datetimeFigureOut">
               <a:rPr lang="en-US" smtClean="0"/>
-              <a:t>12/8/18</a:t>
+              <a:t>12/19/18</a:t>
             </a:fld>
             <a:endParaRPr lang="en-US"/>
           </a:p>
@@ -893,7 +893,7 @@
           <a:p>
             <a:fld id="{191BC32C-BAD4-7F49-8591-B24BECDFB9FF}" type="datetimeFigureOut">
               <a:rPr lang="en-US" smtClean="0"/>
-              <a:t>12/8/18</a:t>
+              <a:t>12/19/18</a:t>
             </a:fld>
             <a:endParaRPr lang="en-US"/>
           </a:p>
@@ -1101,7 +1101,7 @@
           <a:p>
             <a:fld id="{191BC32C-BAD4-7F49-8591-B24BECDFB9FF}" type="datetimeFigureOut">
               <a:rPr lang="en-US" smtClean="0"/>
-              <a:t>12/8/18</a:t>
+              <a:t>12/19/18</a:t>
             </a:fld>
             <a:endParaRPr lang="en-US"/>
           </a:p>
@@ -1299,7 +1299,7 @@
           <a:p>
             <a:fld id="{191BC32C-BAD4-7F49-8591-B24BECDFB9FF}" type="datetimeFigureOut">
               <a:rPr lang="en-US" smtClean="0"/>
-              <a:t>12/8/18</a:t>
+              <a:t>12/19/18</a:t>
             </a:fld>
             <a:endParaRPr lang="en-US"/>
           </a:p>
@@ -1574,7 +1574,7 @@
           <a:p>
             <a:fld id="{191BC32C-BAD4-7F49-8591-B24BECDFB9FF}" type="datetimeFigureOut">
               <a:rPr lang="en-US" smtClean="0"/>
-              <a:t>12/8/18</a:t>
+              <a:t>12/19/18</a:t>
             </a:fld>
             <a:endParaRPr lang="en-US"/>
           </a:p>
@@ -1839,7 +1839,7 @@
           <a:p>
             <a:fld id="{191BC32C-BAD4-7F49-8591-B24BECDFB9FF}" type="datetimeFigureOut">
               <a:rPr lang="en-US" smtClean="0"/>
-              <a:t>12/8/18</a:t>
+              <a:t>12/19/18</a:t>
             </a:fld>
             <a:endParaRPr lang="en-US"/>
           </a:p>
@@ -2251,7 +2251,7 @@
           <a:p>
             <a:fld id="{191BC32C-BAD4-7F49-8591-B24BECDFB9FF}" type="datetimeFigureOut">
               <a:rPr lang="en-US" smtClean="0"/>
-              <a:t>12/8/18</a:t>
+              <a:t>12/19/18</a:t>
             </a:fld>
             <a:endParaRPr lang="en-US"/>
           </a:p>
@@ -2392,7 +2392,7 @@
           <a:p>
             <a:fld id="{191BC32C-BAD4-7F49-8591-B24BECDFB9FF}" type="datetimeFigureOut">
               <a:rPr lang="en-US" smtClean="0"/>
-              <a:t>12/8/18</a:t>
+              <a:t>12/19/18</a:t>
             </a:fld>
             <a:endParaRPr lang="en-US"/>
           </a:p>
@@ -2505,7 +2505,7 @@
           <a:p>
             <a:fld id="{191BC32C-BAD4-7F49-8591-B24BECDFB9FF}" type="datetimeFigureOut">
               <a:rPr lang="en-US" smtClean="0"/>
-              <a:t>12/8/18</a:t>
+              <a:t>12/19/18</a:t>
             </a:fld>
             <a:endParaRPr lang="en-US"/>
           </a:p>
@@ -2816,7 +2816,7 @@
           <a:p>
             <a:fld id="{191BC32C-BAD4-7F49-8591-B24BECDFB9FF}" type="datetimeFigureOut">
               <a:rPr lang="en-US" smtClean="0"/>
-              <a:t>12/8/18</a:t>
+              <a:t>12/19/18</a:t>
             </a:fld>
             <a:endParaRPr lang="en-US"/>
           </a:p>
@@ -3104,7 +3104,7 @@
           <a:p>
             <a:fld id="{191BC32C-BAD4-7F49-8591-B24BECDFB9FF}" type="datetimeFigureOut">
               <a:rPr lang="en-US" smtClean="0"/>
-              <a:t>12/8/18</a:t>
+              <a:t>12/19/18</a:t>
             </a:fld>
             <a:endParaRPr lang="en-US"/>
           </a:p>
@@ -3345,7 +3345,7 @@
           <a:p>
             <a:fld id="{191BC32C-BAD4-7F49-8591-B24BECDFB9FF}" type="datetimeFigureOut">
               <a:rPr lang="en-US" smtClean="0"/>
-              <a:t>12/8/18</a:t>
+              <a:t>12/19/18</a:t>
             </a:fld>
             <a:endParaRPr lang="en-US"/>
           </a:p>
@@ -5699,8 +5699,8 @@
           </p:nvSpPr>
           <p:spPr>
             <a:xfrm>
-              <a:off x="5838126" y="796275"/>
-              <a:ext cx="1266718" cy="295969"/>
+              <a:off x="5806227" y="796275"/>
+              <a:ext cx="1266718" cy="384721"/>
             </a:xfrm>
             <a:prstGeom prst="rect">
               <a:avLst/>
@@ -5715,13 +5715,13 @@
             <a:p>
               <a:r>
                 <a:rPr lang="en-US" sz="950" dirty="0"/>
-                <a:t>DRAM access </a:t>
+                <a:t>Network traversal </a:t>
               </a:r>
             </a:p>
             <a:p>
               <a:r>
                 <a:rPr lang="en-US" sz="950" dirty="0"/>
-                <a:t>(data &amp; translation)</a:t>
+                <a:t>(translation &amp; fetch)</a:t>
               </a:r>
             </a:p>
           </p:txBody>
